--- a/05-Sit/01_Pro_ucitele/Prezentace/54-sit-radio.pptx
+++ b/05-Sit/01_Pro_ucitele/Prezentace/54-sit-radio.pptx
@@ -6460,7 +6460,7 @@
         </p:nvSpPr>
         <p:spPr>
           <a:xfrm>
-            <a:off x="504000" y="113863"/>
+            <a:off x="504000" y="-104346"/>
             <a:ext cx="9072000" cy="1261800"/>
           </a:xfrm>
         </p:spPr>
@@ -6468,6 +6468,7 @@
           <a:bodyPr/>
           <a:lstStyle/>
           <a:p>
+            <a:pPr algn="ctr"/>
             <a:r>
               <a:rPr lang="cs-CZ" dirty="0"/>
               <a:t>Přijímač</a:t>
@@ -6493,8 +6494,8 @@
         </p:nvSpPr>
         <p:spPr>
           <a:xfrm>
-            <a:off x="504000" y="2430832"/>
-            <a:ext cx="9072000" cy="4384080"/>
+            <a:off x="504000" y="1298863"/>
+            <a:ext cx="9072000" cy="6026727"/>
           </a:xfrm>
         </p:spPr>
         <p:txBody>
@@ -6507,28 +6508,28 @@
               <a:buNone/>
             </a:pPr>
             <a:r>
-              <a:rPr lang="cs-CZ" dirty="0" err="1">
+              <a:rPr lang="cs-CZ" sz="3600" dirty="0" err="1">
                 <a:latin typeface="Courier New" panose="02070309020205020404" pitchFamily="49" charset="0"/>
                 <a:cs typeface="Courier New" panose="02070309020205020404" pitchFamily="49" charset="0"/>
               </a:rPr>
               <a:t>from</a:t>
             </a:r>
             <a:r>
-              <a:rPr lang="cs-CZ" dirty="0">
+              <a:rPr lang="cs-CZ" sz="3600" dirty="0">
                 <a:latin typeface="Courier New" panose="02070309020205020404" pitchFamily="49" charset="0"/>
                 <a:cs typeface="Courier New" panose="02070309020205020404" pitchFamily="49" charset="0"/>
               </a:rPr>
               <a:t> </a:t>
             </a:r>
             <a:r>
-              <a:rPr lang="cs-CZ" dirty="0" err="1">
+              <a:rPr lang="cs-CZ" sz="3600" dirty="0" err="1">
                 <a:latin typeface="Courier New" panose="02070309020205020404" pitchFamily="49" charset="0"/>
                 <a:cs typeface="Courier New" panose="02070309020205020404" pitchFamily="49" charset="0"/>
               </a:rPr>
               <a:t>microbit</a:t>
             </a:r>
             <a:r>
-              <a:rPr lang="cs-CZ" dirty="0">
+              <a:rPr lang="cs-CZ" sz="3600" dirty="0">
                 <a:latin typeface="Courier New" panose="02070309020205020404" pitchFamily="49" charset="0"/>
                 <a:cs typeface="Courier New" panose="02070309020205020404" pitchFamily="49" charset="0"/>
               </a:rPr>
@@ -6540,20 +6541,20 @@
               <a:buNone/>
             </a:pPr>
             <a:r>
-              <a:rPr lang="cs-CZ" dirty="0">
+              <a:rPr lang="cs-CZ" sz="3600" dirty="0">
                 <a:latin typeface="Courier New" panose="02070309020205020404" pitchFamily="49" charset="0"/>
                 <a:cs typeface="Courier New" panose="02070309020205020404" pitchFamily="49" charset="0"/>
               </a:rPr>
               <a:t>import </a:t>
             </a:r>
             <a:r>
-              <a:rPr lang="cs-CZ" dirty="0" err="1">
+              <a:rPr lang="cs-CZ" sz="3600" dirty="0" err="1">
                 <a:latin typeface="Courier New" panose="02070309020205020404" pitchFamily="49" charset="0"/>
                 <a:cs typeface="Courier New" panose="02070309020205020404" pitchFamily="49" charset="0"/>
               </a:rPr>
               <a:t>radio</a:t>
             </a:r>
-            <a:endParaRPr lang="cs-CZ" dirty="0">
+            <a:endParaRPr lang="cs-CZ" sz="3600" dirty="0">
               <a:latin typeface="Courier New" panose="02070309020205020404" pitchFamily="49" charset="0"/>
               <a:cs typeface="Courier New" panose="02070309020205020404" pitchFamily="49" charset="0"/>
             </a:endParaRPr>
@@ -6563,14 +6564,14 @@
               <a:buNone/>
             </a:pPr>
             <a:r>
-              <a:rPr lang="cs-CZ" dirty="0" err="1">
+              <a:rPr lang="cs-CZ" sz="3600" dirty="0" err="1">
                 <a:latin typeface="Courier New" panose="02070309020205020404" pitchFamily="49" charset="0"/>
                 <a:cs typeface="Courier New" panose="02070309020205020404" pitchFamily="49" charset="0"/>
               </a:rPr>
               <a:t>radio.on</a:t>
             </a:r>
             <a:r>
-              <a:rPr lang="cs-CZ" dirty="0">
+              <a:rPr lang="cs-CZ" sz="3600" dirty="0">
                 <a:latin typeface="Courier New" panose="02070309020205020404" pitchFamily="49" charset="0"/>
                 <a:cs typeface="Courier New" panose="02070309020205020404" pitchFamily="49" charset="0"/>
               </a:rPr>
@@ -6582,28 +6583,28 @@
               <a:buNone/>
             </a:pPr>
             <a:r>
-              <a:rPr lang="cs-CZ" dirty="0" err="1">
+              <a:rPr lang="cs-CZ" sz="3600" dirty="0" err="1">
                 <a:latin typeface="Courier New" panose="02070309020205020404" pitchFamily="49" charset="0"/>
                 <a:cs typeface="Courier New" panose="02070309020205020404" pitchFamily="49" charset="0"/>
               </a:rPr>
               <a:t>radio.config</a:t>
             </a:r>
             <a:r>
-              <a:rPr lang="cs-CZ" dirty="0">
+              <a:rPr lang="cs-CZ" sz="3600" dirty="0">
                 <a:latin typeface="Courier New" panose="02070309020205020404" pitchFamily="49" charset="0"/>
                 <a:cs typeface="Courier New" panose="02070309020205020404" pitchFamily="49" charset="0"/>
               </a:rPr>
               <a:t>(</a:t>
             </a:r>
             <a:r>
-              <a:rPr lang="cs-CZ" dirty="0" err="1">
+              <a:rPr lang="cs-CZ" sz="3600" dirty="0" err="1">
                 <a:latin typeface="Courier New" panose="02070309020205020404" pitchFamily="49" charset="0"/>
                 <a:cs typeface="Courier New" panose="02070309020205020404" pitchFamily="49" charset="0"/>
               </a:rPr>
               <a:t>channel</a:t>
             </a:r>
             <a:r>
-              <a:rPr lang="cs-CZ" dirty="0">
+              <a:rPr lang="cs-CZ" sz="3600" dirty="0">
                 <a:latin typeface="Courier New" panose="02070309020205020404" pitchFamily="49" charset="0"/>
                 <a:cs typeface="Courier New" panose="02070309020205020404" pitchFamily="49" charset="0"/>
               </a:rPr>
@@ -6615,28 +6616,28 @@
               <a:buNone/>
             </a:pPr>
             <a:r>
-              <a:rPr lang="cs-CZ" dirty="0" err="1">
+              <a:rPr lang="cs-CZ" sz="3600" dirty="0" err="1">
                 <a:latin typeface="Courier New" panose="02070309020205020404" pitchFamily="49" charset="0"/>
                 <a:cs typeface="Courier New" panose="02070309020205020404" pitchFamily="49" charset="0"/>
               </a:rPr>
               <a:t>while</a:t>
             </a:r>
             <a:r>
-              <a:rPr lang="cs-CZ" dirty="0">
+              <a:rPr lang="cs-CZ" sz="3600" dirty="0">
                 <a:latin typeface="Courier New" panose="02070309020205020404" pitchFamily="49" charset="0"/>
                 <a:cs typeface="Courier New" panose="02070309020205020404" pitchFamily="49" charset="0"/>
               </a:rPr>
               <a:t> </a:t>
             </a:r>
             <a:r>
-              <a:rPr lang="cs-CZ" dirty="0" err="1">
+              <a:rPr lang="cs-CZ" sz="3600" dirty="0" err="1">
                 <a:latin typeface="Courier New" panose="02070309020205020404" pitchFamily="49" charset="0"/>
                 <a:cs typeface="Courier New" panose="02070309020205020404" pitchFamily="49" charset="0"/>
               </a:rPr>
               <a:t>True</a:t>
             </a:r>
             <a:r>
-              <a:rPr lang="cs-CZ" dirty="0">
+              <a:rPr lang="cs-CZ" sz="3600" dirty="0">
                 <a:latin typeface="Courier New" panose="02070309020205020404" pitchFamily="49" charset="0"/>
                 <a:cs typeface="Courier New" panose="02070309020205020404" pitchFamily="49" charset="0"/>
               </a:rPr>
@@ -6648,21 +6649,21 @@
               <a:buNone/>
             </a:pPr>
             <a:r>
-              <a:rPr lang="cs-CZ" dirty="0">
+              <a:rPr lang="cs-CZ" sz="3600" dirty="0">
                 <a:latin typeface="Courier New" panose="02070309020205020404" pitchFamily="49" charset="0"/>
                 <a:cs typeface="Courier New" panose="02070309020205020404" pitchFamily="49" charset="0"/>
               </a:rPr>
               <a:t>    zprava = </a:t>
             </a:r>
             <a:r>
-              <a:rPr lang="cs-CZ" dirty="0" err="1">
+              <a:rPr lang="cs-CZ" sz="3600" dirty="0" err="1">
                 <a:latin typeface="Courier New" panose="02070309020205020404" pitchFamily="49" charset="0"/>
                 <a:cs typeface="Courier New" panose="02070309020205020404" pitchFamily="49" charset="0"/>
               </a:rPr>
               <a:t>radio.receive</a:t>
             </a:r>
             <a:r>
-              <a:rPr lang="cs-CZ" dirty="0">
+              <a:rPr lang="cs-CZ" sz="3600" dirty="0">
                 <a:latin typeface="Courier New" panose="02070309020205020404" pitchFamily="49" charset="0"/>
                 <a:cs typeface="Courier New" panose="02070309020205020404" pitchFamily="49" charset="0"/>
               </a:rPr>
@@ -6674,21 +6675,21 @@
               <a:buNone/>
             </a:pPr>
             <a:r>
-              <a:rPr lang="cs-CZ" dirty="0">
+              <a:rPr lang="cs-CZ" sz="3600" dirty="0">
                 <a:latin typeface="Courier New" panose="02070309020205020404" pitchFamily="49" charset="0"/>
                 <a:cs typeface="Courier New" panose="02070309020205020404" pitchFamily="49" charset="0"/>
               </a:rPr>
               <a:t>    </a:t>
             </a:r>
             <a:r>
-              <a:rPr lang="cs-CZ" dirty="0" err="1">
+              <a:rPr lang="cs-CZ" sz="3600" dirty="0" err="1">
                 <a:latin typeface="Courier New" panose="02070309020205020404" pitchFamily="49" charset="0"/>
                 <a:cs typeface="Courier New" panose="02070309020205020404" pitchFamily="49" charset="0"/>
               </a:rPr>
               <a:t>if</a:t>
             </a:r>
             <a:r>
-              <a:rPr lang="cs-CZ" dirty="0">
+              <a:rPr lang="cs-CZ" sz="3600" dirty="0">
                 <a:latin typeface="Courier New" panose="02070309020205020404" pitchFamily="49" charset="0"/>
                 <a:cs typeface="Courier New" panose="02070309020205020404" pitchFamily="49" charset="0"/>
               </a:rPr>
@@ -6700,21 +6701,21 @@
               <a:buNone/>
             </a:pPr>
             <a:r>
-              <a:rPr lang="cs-CZ" dirty="0">
+              <a:rPr lang="cs-CZ" sz="3600" dirty="0">
                 <a:latin typeface="Courier New" panose="02070309020205020404" pitchFamily="49" charset="0"/>
                 <a:cs typeface="Courier New" panose="02070309020205020404" pitchFamily="49" charset="0"/>
               </a:rPr>
               <a:t>        </a:t>
             </a:r>
             <a:r>
-              <a:rPr lang="cs-CZ" dirty="0" err="1">
+              <a:rPr lang="cs-CZ" sz="3600" dirty="0" err="1">
                 <a:latin typeface="Courier New" panose="02070309020205020404" pitchFamily="49" charset="0"/>
                 <a:cs typeface="Courier New" panose="02070309020205020404" pitchFamily="49" charset="0"/>
               </a:rPr>
               <a:t>display.scroll</a:t>
             </a:r>
             <a:r>
-              <a:rPr lang="cs-CZ" dirty="0">
+              <a:rPr lang="cs-CZ" sz="3600" dirty="0">
                 <a:latin typeface="Courier New" panose="02070309020205020404" pitchFamily="49" charset="0"/>
                 <a:cs typeface="Courier New" panose="02070309020205020404" pitchFamily="49" charset="0"/>
               </a:rPr>
@@ -6726,7 +6727,7 @@
               <a:buNone/>
             </a:pPr>
             <a:r>
-              <a:rPr lang="cs-CZ" dirty="0">
+              <a:rPr lang="cs-CZ" sz="3600" dirty="0">
                 <a:latin typeface="Courier New" panose="02070309020205020404" pitchFamily="49" charset="0"/>
                 <a:cs typeface="Courier New" panose="02070309020205020404" pitchFamily="49" charset="0"/>
               </a:rPr>
@@ -6738,14 +6739,14 @@
               <a:buNone/>
             </a:pPr>
             <a:r>
-              <a:rPr lang="cs-CZ" dirty="0" err="1">
+              <a:rPr lang="cs-CZ" sz="3600" dirty="0" err="1">
                 <a:latin typeface="Courier New" panose="02070309020205020404" pitchFamily="49" charset="0"/>
                 <a:cs typeface="Courier New" panose="02070309020205020404" pitchFamily="49" charset="0"/>
               </a:rPr>
               <a:t>radio.off</a:t>
             </a:r>
             <a:r>
-              <a:rPr lang="cs-CZ" dirty="0">
+              <a:rPr lang="cs-CZ" sz="3600" dirty="0">
                 <a:latin typeface="Courier New" panose="02070309020205020404" pitchFamily="49" charset="0"/>
                 <a:cs typeface="Courier New" panose="02070309020205020404" pitchFamily="49" charset="0"/>
               </a:rPr>
@@ -6753,7 +6754,7 @@
             </a:r>
           </a:p>
           <a:p>
-            <a:endParaRPr lang="cs-CZ" dirty="0">
+            <a:endParaRPr lang="cs-CZ" sz="3600" dirty="0">
               <a:latin typeface="Courier New" panose="02070309020205020404" pitchFamily="49" charset="0"/>
               <a:cs typeface="Courier New" panose="02070309020205020404" pitchFamily="49" charset="0"/>
             </a:endParaRPr>
